--- a/FUSE - Mottled Stars/FUSE Literature Review/Mottled Stars Literature Review.pptx
+++ b/FUSE - Mottled Stars/FUSE Literature Review/Mottled Stars Literature Review.pptx
@@ -107,6 +107,11 @@
       </a:defRPr>
     </a:lvl9pPr>
   </p:defaultTextStyle>
+  <p:extLst>
+    <p:ext uri="{EFAFB233-063F-42B5-8137-9DF3F51BA10A}">
+      <p15:sldGuideLst xmlns:p15="http://schemas.microsoft.com/office/powerpoint/2012/main"/>
+    </p:ext>
+  </p:extLst>
 </p:presentation>
 </file>
 
@@ -280,7 +285,7 @@
           <a:p>
             <a:fld id="{EC08EBD6-2DE3-4022-8EC4-7DB415F76BF1}" type="datetimeFigureOut">
               <a:rPr lang="en-US" smtClean="0"/>
-              <a:t>6/11/2019</a:t>
+              <a:t>6/12/2019</a:t>
             </a:fld>
             <a:endParaRPr lang="en-US"/>
           </a:p>
@@ -547,7 +552,7 @@
           <a:p>
             <a:fld id="{EC08EBD6-2DE3-4022-8EC4-7DB415F76BF1}" type="datetimeFigureOut">
               <a:rPr lang="en-US" smtClean="0"/>
-              <a:t>6/11/2019</a:t>
+              <a:t>6/12/2019</a:t>
             </a:fld>
             <a:endParaRPr lang="en-US"/>
           </a:p>
@@ -778,7 +783,7 @@
           <a:p>
             <a:fld id="{EC08EBD6-2DE3-4022-8EC4-7DB415F76BF1}" type="datetimeFigureOut">
               <a:rPr lang="en-US" smtClean="0"/>
-              <a:t>6/11/2019</a:t>
+              <a:t>6/12/2019</a:t>
             </a:fld>
             <a:endParaRPr lang="en-US"/>
           </a:p>
@@ -1088,7 +1093,7 @@
           <a:p>
             <a:fld id="{EC08EBD6-2DE3-4022-8EC4-7DB415F76BF1}" type="datetimeFigureOut">
               <a:rPr lang="en-US" smtClean="0"/>
-              <a:t>6/11/2019</a:t>
+              <a:t>6/12/2019</a:t>
             </a:fld>
             <a:endParaRPr lang="en-US"/>
           </a:p>
@@ -1561,7 +1566,7 @@
           <a:p>
             <a:fld id="{EC08EBD6-2DE3-4022-8EC4-7DB415F76BF1}" type="datetimeFigureOut">
               <a:rPr lang="en-US" smtClean="0"/>
-              <a:t>6/11/2019</a:t>
+              <a:t>6/12/2019</a:t>
             </a:fld>
             <a:endParaRPr lang="en-US"/>
           </a:p>
@@ -2108,7 +2113,7 @@
           <a:p>
             <a:fld id="{EC08EBD6-2DE3-4022-8EC4-7DB415F76BF1}" type="datetimeFigureOut">
               <a:rPr lang="en-US" smtClean="0"/>
-              <a:t>6/11/2019</a:t>
+              <a:t>6/12/2019</a:t>
             </a:fld>
             <a:endParaRPr lang="en-US"/>
           </a:p>
@@ -2882,7 +2887,7 @@
           <a:p>
             <a:fld id="{EC08EBD6-2DE3-4022-8EC4-7DB415F76BF1}" type="datetimeFigureOut">
               <a:rPr lang="en-US" smtClean="0"/>
-              <a:t>6/11/2019</a:t>
+              <a:t>6/12/2019</a:t>
             </a:fld>
             <a:endParaRPr lang="en-US"/>
           </a:p>
@@ -3057,7 +3062,7 @@
           <a:p>
             <a:fld id="{EC08EBD6-2DE3-4022-8EC4-7DB415F76BF1}" type="datetimeFigureOut">
               <a:rPr lang="en-US" smtClean="0"/>
-              <a:t>6/11/2019</a:t>
+              <a:t>6/12/2019</a:t>
             </a:fld>
             <a:endParaRPr lang="en-US"/>
           </a:p>
@@ -3280,7 +3285,7 @@
           <a:p>
             <a:fld id="{EC08EBD6-2DE3-4022-8EC4-7DB415F76BF1}" type="datetimeFigureOut">
               <a:rPr lang="en-US" smtClean="0"/>
-              <a:t>6/11/2019</a:t>
+              <a:t>6/12/2019</a:t>
             </a:fld>
             <a:endParaRPr lang="en-US"/>
           </a:p>
@@ -3460,7 +3465,7 @@
           <a:p>
             <a:fld id="{EC08EBD6-2DE3-4022-8EC4-7DB415F76BF1}" type="datetimeFigureOut">
               <a:rPr lang="en-US" smtClean="0"/>
-              <a:t>6/11/2019</a:t>
+              <a:t>6/12/2019</a:t>
             </a:fld>
             <a:endParaRPr lang="en-US"/>
           </a:p>
@@ -3749,7 +3754,7 @@
           <a:p>
             <a:fld id="{EC08EBD6-2DE3-4022-8EC4-7DB415F76BF1}" type="datetimeFigureOut">
               <a:rPr lang="en-US" smtClean="0"/>
-              <a:t>6/11/2019</a:t>
+              <a:t>6/12/2019</a:t>
             </a:fld>
             <a:endParaRPr lang="en-US"/>
           </a:p>
@@ -3991,7 +3996,7 @@
           <a:p>
             <a:fld id="{EC08EBD6-2DE3-4022-8EC4-7DB415F76BF1}" type="datetimeFigureOut">
               <a:rPr lang="en-US" smtClean="0"/>
-              <a:t>6/11/2019</a:t>
+              <a:t>6/12/2019</a:t>
             </a:fld>
             <a:endParaRPr lang="en-US"/>
           </a:p>
@@ -4370,7 +4375,7 @@
           <a:p>
             <a:fld id="{EC08EBD6-2DE3-4022-8EC4-7DB415F76BF1}" type="datetimeFigureOut">
               <a:rPr lang="en-US" smtClean="0"/>
-              <a:t>6/11/2019</a:t>
+              <a:t>6/12/2019</a:t>
             </a:fld>
             <a:endParaRPr lang="en-US"/>
           </a:p>
@@ -4488,7 +4493,7 @@
           <a:p>
             <a:fld id="{EC08EBD6-2DE3-4022-8EC4-7DB415F76BF1}" type="datetimeFigureOut">
               <a:rPr lang="en-US" smtClean="0"/>
-              <a:t>6/11/2019</a:t>
+              <a:t>6/12/2019</a:t>
             </a:fld>
             <a:endParaRPr lang="en-US"/>
           </a:p>
@@ -4583,7 +4588,7 @@
           <a:p>
             <a:fld id="{EC08EBD6-2DE3-4022-8EC4-7DB415F76BF1}" type="datetimeFigureOut">
               <a:rPr lang="en-US" smtClean="0"/>
-              <a:t>6/11/2019</a:t>
+              <a:t>6/12/2019</a:t>
             </a:fld>
             <a:endParaRPr lang="en-US"/>
           </a:p>
@@ -4832,7 +4837,7 @@
           <a:p>
             <a:fld id="{EC08EBD6-2DE3-4022-8EC4-7DB415F76BF1}" type="datetimeFigureOut">
               <a:rPr lang="en-US" smtClean="0"/>
-              <a:t>6/11/2019</a:t>
+              <a:t>6/12/2019</a:t>
             </a:fld>
             <a:endParaRPr lang="en-US"/>
           </a:p>
@@ -5089,7 +5094,7 @@
           <a:p>
             <a:fld id="{EC08EBD6-2DE3-4022-8EC4-7DB415F76BF1}" type="datetimeFigureOut">
               <a:rPr lang="en-US" smtClean="0"/>
-              <a:t>6/11/2019</a:t>
+              <a:t>6/12/2019</a:t>
             </a:fld>
             <a:endParaRPr lang="en-US"/>
           </a:p>
@@ -5332,7 +5337,7 @@
           <a:p>
             <a:fld id="{EC08EBD6-2DE3-4022-8EC4-7DB415F76BF1}" type="datetimeFigureOut">
               <a:rPr lang="en-US" smtClean="0"/>
-              <a:t>6/11/2019</a:t>
+              <a:t>6/12/2019</a:t>
             </a:fld>
             <a:endParaRPr lang="en-US"/>
           </a:p>
@@ -5909,7 +5914,7 @@
           <a:p>
             <a:r>
               <a:rPr lang="en-US" dirty="0"/>
-              <a:t>Starspots or sunspots are dark blotches on the surface of stars (Gough 2010).</a:t>
+              <a:t>Starspots are dark blotches on the surface of stars (Gough 2010).</a:t>
             </a:r>
           </a:p>
           <a:p>
@@ -5921,7 +5926,7 @@
           <a:p>
             <a:r>
               <a:rPr lang="en-US" dirty="0"/>
-              <a:t>What causes these blemishes and their affects on the host star are not well understood.</a:t>
+              <a:t>Their causes and affects on their host star are not well understood.</a:t>
             </a:r>
           </a:p>
           <a:p>
@@ -6226,6 +6231,48 @@
           <a:bodyPr/>
           <a:lstStyle/>
           <a:p>
+            <a:r>
+              <a:rPr lang="en-US" dirty="0"/>
+              <a:t>Continuing a project dubbed Mottled Stars</a:t>
+            </a:r>
+          </a:p>
+          <a:p>
+            <a:r>
+              <a:rPr lang="en-US" dirty="0"/>
+              <a:t>In 2018, Dr. </a:t>
+            </a:r>
+            <a:r>
+              <a:rPr lang="en-US" dirty="0" err="1"/>
+              <a:t>Feiden</a:t>
+            </a:r>
+            <a:r>
+              <a:rPr lang="en-US" dirty="0"/>
+              <a:t> worked with first-year undergraduate Amanda Ash</a:t>
+            </a:r>
+          </a:p>
+          <a:p>
+            <a:pPr lvl="1"/>
+            <a:r>
+              <a:rPr lang="en-US" dirty="0"/>
+              <a:t>Title: Mottled Stars: Improving Age Estimates for Young Stars in the Planet Formation Era</a:t>
+            </a:r>
+          </a:p>
+          <a:p>
+            <a:pPr lvl="1"/>
+            <a:r>
+              <a:rPr lang="en-US" dirty="0"/>
+              <a:t>Their Findings: </a:t>
+            </a:r>
+          </a:p>
+          <a:p>
+            <a:pPr lvl="2"/>
+            <a:r>
+              <a:rPr lang="en-US" dirty="0"/>
+              <a:t>Showed (maybe for the first time) that starspots might just be transient features on the surface of some stars</a:t>
+            </a:r>
+          </a:p>
+          <a:p>
+            <a:pPr lvl="2"/>
             <a:endParaRPr lang="en-US" dirty="0"/>
           </a:p>
         </p:txBody>

--- a/FUSE - Mottled Stars/FUSE Literature Review/Mottled Stars Literature Review.pptx
+++ b/FUSE - Mottled Stars/FUSE Literature Review/Mottled Stars Literature Review.pptx
@@ -6,9 +6,8 @@
   </p:sldMasterIdLst>
   <p:sldIdLst>
     <p:sldId id="256" r:id="rId2"/>
-    <p:sldId id="257" r:id="rId3"/>
-    <p:sldId id="258" r:id="rId4"/>
-    <p:sldId id="259" r:id="rId5"/>
+    <p:sldId id="258" r:id="rId3"/>
+    <p:sldId id="259" r:id="rId4"/>
   </p:sldIdLst>
   <p:sldSz cx="12192000" cy="6858000"/>
   <p:notesSz cx="6858000" cy="9144000"/>
@@ -5855,7 +5854,7 @@
           <p:cNvPr id="2" name="Title 1">
             <a:extLst>
               <a:ext uri="{FF2B5EF4-FFF2-40B4-BE49-F238E27FC236}">
-                <a16:creationId xmlns:a16="http://schemas.microsoft.com/office/drawing/2014/main" id="{E6768153-BE7F-4A5A-8FF3-EFF4C28373A8}"/>
+                <a16:creationId xmlns:a16="http://schemas.microsoft.com/office/drawing/2014/main" id="{28A31BB7-794D-4DE3-839A-D5310FB84A49}"/>
               </a:ext>
             </a:extLst>
           </p:cNvPr>
@@ -5868,8 +5867,8 @@
         </p:nvSpPr>
         <p:spPr>
           <a:xfrm>
-            <a:off x="2895600" y="764373"/>
-            <a:ext cx="8610600" cy="1293028"/>
+            <a:off x="2895600" y="762000"/>
+            <a:ext cx="8610600" cy="1295400"/>
           </a:xfrm>
         </p:spPr>
         <p:txBody>
@@ -5878,25 +5877,17 @@
           <a:p>
             <a:r>
               <a:rPr lang="en-US" dirty="0"/>
-              <a:t>WHAT IS A </a:t>
-            </a:r>
-            <a:r>
-              <a:rPr lang="en-US" dirty="0" err="1"/>
-              <a:t>STARSPOT</a:t>
-            </a:r>
-            <a:r>
-              <a:rPr lang="en-US" dirty="0"/>
-              <a:t>?</a:t>
-            </a:r>
-          </a:p>
-        </p:txBody>
-      </p:sp>
-      <p:sp>
-        <p:nvSpPr>
-          <p:cNvPr id="3" name="Content Placeholder 2">
+              <a:t>Sunspots/Starspots</a:t>
+            </a:r>
+          </a:p>
+        </p:txBody>
+      </p:sp>
+      <p:sp>
+        <p:nvSpPr>
+          <p:cNvPr id="3" name="Text Placeholder 2">
             <a:extLst>
               <a:ext uri="{FF2B5EF4-FFF2-40B4-BE49-F238E27FC236}">
-                <a16:creationId xmlns:a16="http://schemas.microsoft.com/office/drawing/2014/main" id="{E6464E5C-BE01-4769-88F9-AF8BB0468466}"/>
+                <a16:creationId xmlns:a16="http://schemas.microsoft.com/office/drawing/2014/main" id="{F600ED72-F97C-478C-A034-AC29E9D19652}"/>
               </a:ext>
             </a:extLst>
           </p:cNvPr>
@@ -5904,46 +5895,147 @@
             <a:spLocks noGrp="1"/>
           </p:cNvSpPr>
           <p:nvPr>
-            <p:ph idx="1"/>
-          </p:nvPr>
-        </p:nvSpPr>
-        <p:spPr/>
-        <p:txBody>
-          <a:bodyPr/>
-          <a:lstStyle/>
-          <a:p>
-            <a:r>
-              <a:rPr lang="en-US" dirty="0"/>
-              <a:t>Starspots are dark blotches on the surface of stars (Gough 2010).</a:t>
-            </a:r>
-          </a:p>
-          <a:p>
-            <a:r>
-              <a:rPr lang="en-US" dirty="0"/>
-              <a:t>First studied in the west when Galileo Galilei and Thomas Harriot first used telescopes to observe the Sun (Gough 2010).</a:t>
-            </a:r>
-          </a:p>
-          <a:p>
-            <a:r>
-              <a:rPr lang="en-US" dirty="0"/>
-              <a:t>Their causes and affects on their host star are not well understood.</a:t>
-            </a:r>
-          </a:p>
-          <a:p>
-            <a:r>
-              <a:rPr lang="en-US" dirty="0"/>
-              <a:t>Thought to be caused by magnetic disturbances beneath the stellar surface (Gough 2010).</a:t>
-            </a:r>
-          </a:p>
-          <a:p>
-            <a:endParaRPr lang="en-US" dirty="0"/>
-          </a:p>
-        </p:txBody>
-      </p:sp>
+            <p:ph type="body" idx="1"/>
+          </p:nvPr>
+        </p:nvSpPr>
+        <p:spPr>
+          <a:xfrm>
+            <a:off x="1613939" y="6005146"/>
+            <a:ext cx="4405862" cy="243225"/>
+          </a:xfrm>
+        </p:spPr>
+        <p:txBody>
+          <a:bodyPr>
+            <a:noAutofit/>
+          </a:bodyPr>
+          <a:lstStyle/>
+          <a:p>
+            <a:r>
+              <a:rPr lang="en-US" sz="1200" dirty="0"/>
+              <a:t>Image Credit: NASA/</a:t>
+            </a:r>
+            <a:r>
+              <a:rPr lang="en-US" sz="1200" dirty="0" err="1"/>
+              <a:t>SDO</a:t>
+            </a:r>
+            <a:endParaRPr lang="en-US" sz="1200" dirty="0"/>
+          </a:p>
+        </p:txBody>
+      </p:sp>
+      <p:pic>
+        <p:nvPicPr>
+          <p:cNvPr id="8" name="Content Placeholder 7" descr="A picture containing orange, black, yellow, indoor&#10;&#10;Description automatically generated">
+            <a:extLst>
+              <a:ext uri="{FF2B5EF4-FFF2-40B4-BE49-F238E27FC236}">
+                <a16:creationId xmlns:a16="http://schemas.microsoft.com/office/drawing/2014/main" id="{CBB91A84-6258-4568-A4AE-1039AE45878C}"/>
+              </a:ext>
+            </a:extLst>
+          </p:cNvPr>
+          <p:cNvPicPr>
+            <a:picLocks noGrp="1" noChangeAspect="1"/>
+          </p:cNvPicPr>
+          <p:nvPr>
+            <p:ph sz="half" idx="2"/>
+          </p:nvPr>
+        </p:nvPicPr>
+        <p:blipFill>
+          <a:blip r:embed="rId2">
+            <a:extLst>
+              <a:ext uri="{28A0092B-C50C-407E-A947-70E740481C1C}">
+                <a14:useLocalDpi xmlns:a14="http://schemas.microsoft.com/office/drawing/2010/main" val="0"/>
+              </a:ext>
+            </a:extLst>
+          </a:blip>
+          <a:stretch>
+            <a:fillRect/>
+          </a:stretch>
+        </p:blipFill>
+        <p:spPr>
+          <a:xfrm>
+            <a:off x="1613939" y="2281298"/>
+            <a:ext cx="3499949" cy="3499949"/>
+          </a:xfrm>
+        </p:spPr>
+      </p:pic>
+      <p:sp>
+        <p:nvSpPr>
+          <p:cNvPr id="5" name="Text Placeholder 4">
+            <a:extLst>
+              <a:ext uri="{FF2B5EF4-FFF2-40B4-BE49-F238E27FC236}">
+                <a16:creationId xmlns:a16="http://schemas.microsoft.com/office/drawing/2014/main" id="{E6E6BC3D-08AF-4391-BF31-953C3929EE35}"/>
+              </a:ext>
+            </a:extLst>
+          </p:cNvPr>
+          <p:cNvSpPr>
+            <a:spLocks noGrp="1"/>
+          </p:cNvSpPr>
+          <p:nvPr>
+            <p:ph type="body" sz="quarter" idx="3"/>
+          </p:nvPr>
+        </p:nvSpPr>
+        <p:spPr>
+          <a:xfrm>
+            <a:off x="6172200" y="6005145"/>
+            <a:ext cx="5105400" cy="243225"/>
+          </a:xfrm>
+        </p:spPr>
+        <p:txBody>
+          <a:bodyPr>
+            <a:noAutofit/>
+          </a:bodyPr>
+          <a:lstStyle/>
+          <a:p>
+            <a:r>
+              <a:rPr lang="en-US" sz="1200" dirty="0"/>
+              <a:t>Image Credit: NASA/</a:t>
+            </a:r>
+            <a:r>
+              <a:rPr lang="en-US" sz="1200" dirty="0" err="1"/>
+              <a:t>SDO</a:t>
+            </a:r>
+            <a:endParaRPr lang="en-US" sz="1200" dirty="0"/>
+          </a:p>
+        </p:txBody>
+      </p:sp>
+      <p:pic>
+        <p:nvPicPr>
+          <p:cNvPr id="10" name="Content Placeholder 9">
+            <a:extLst>
+              <a:ext uri="{FF2B5EF4-FFF2-40B4-BE49-F238E27FC236}">
+                <a16:creationId xmlns:a16="http://schemas.microsoft.com/office/drawing/2014/main" id="{CC8E385A-52D2-431E-9191-9370EC17F140}"/>
+              </a:ext>
+            </a:extLst>
+          </p:cNvPr>
+          <p:cNvPicPr>
+            <a:picLocks noGrp="1" noChangeAspect="1"/>
+          </p:cNvPicPr>
+          <p:nvPr>
+            <p:ph sz="quarter" idx="4"/>
+          </p:nvPr>
+        </p:nvPicPr>
+        <p:blipFill>
+          <a:blip r:embed="rId3">
+            <a:extLst>
+              <a:ext uri="{28A0092B-C50C-407E-A947-70E740481C1C}">
+                <a14:useLocalDpi xmlns:a14="http://schemas.microsoft.com/office/drawing/2010/main" val="0"/>
+              </a:ext>
+            </a:extLst>
+          </a:blip>
+          <a:stretch>
+            <a:fillRect/>
+          </a:stretch>
+        </p:blipFill>
+        <p:spPr>
+          <a:xfrm>
+            <a:off x="6188490" y="2488222"/>
+            <a:ext cx="4389571" cy="3086100"/>
+          </a:xfrm>
+        </p:spPr>
+      </p:pic>
     </p:spTree>
     <p:extLst>
       <p:ext uri="{BB962C8B-B14F-4D97-AF65-F5344CB8AC3E}">
-        <p14:creationId xmlns:p14="http://schemas.microsoft.com/office/powerpoint/2010/main" val="2390267673"/>
+        <p14:creationId xmlns:p14="http://schemas.microsoft.com/office/powerpoint/2010/main" val="14562635"/>
       </p:ext>
     </p:extLst>
   </p:cSld>
@@ -5972,214 +6064,6 @@
       </p:grpSpPr>
       <p:sp>
         <p:nvSpPr>
-          <p:cNvPr id="2" name="Title 1">
-            <a:extLst>
-              <a:ext uri="{FF2B5EF4-FFF2-40B4-BE49-F238E27FC236}">
-                <a16:creationId xmlns:a16="http://schemas.microsoft.com/office/drawing/2014/main" id="{28A31BB7-794D-4DE3-839A-D5310FB84A49}"/>
-              </a:ext>
-            </a:extLst>
-          </p:cNvPr>
-          <p:cNvSpPr>
-            <a:spLocks noGrp="1"/>
-          </p:cNvSpPr>
-          <p:nvPr>
-            <p:ph type="title"/>
-          </p:nvPr>
-        </p:nvSpPr>
-        <p:spPr/>
-        <p:txBody>
-          <a:bodyPr/>
-          <a:lstStyle/>
-          <a:p>
-            <a:r>
-              <a:rPr lang="en-US" dirty="0"/>
-              <a:t>Sunspots</a:t>
-            </a:r>
-          </a:p>
-        </p:txBody>
-      </p:sp>
-      <p:sp>
-        <p:nvSpPr>
-          <p:cNvPr id="3" name="Text Placeholder 2">
-            <a:extLst>
-              <a:ext uri="{FF2B5EF4-FFF2-40B4-BE49-F238E27FC236}">
-                <a16:creationId xmlns:a16="http://schemas.microsoft.com/office/drawing/2014/main" id="{F600ED72-F97C-478C-A034-AC29E9D19652}"/>
-              </a:ext>
-            </a:extLst>
-          </p:cNvPr>
-          <p:cNvSpPr>
-            <a:spLocks noGrp="1"/>
-          </p:cNvSpPr>
-          <p:nvPr>
-            <p:ph type="body" idx="1"/>
-          </p:nvPr>
-        </p:nvSpPr>
-        <p:spPr>
-          <a:xfrm>
-            <a:off x="1613939" y="6005146"/>
-            <a:ext cx="4405862" cy="243225"/>
-          </a:xfrm>
-        </p:spPr>
-        <p:txBody>
-          <a:bodyPr>
-            <a:noAutofit/>
-          </a:bodyPr>
-          <a:lstStyle/>
-          <a:p>
-            <a:r>
-              <a:rPr lang="en-US" sz="1200" dirty="0"/>
-              <a:t>Image Credit: NASA/</a:t>
-            </a:r>
-            <a:r>
-              <a:rPr lang="en-US" sz="1200" dirty="0" err="1"/>
-              <a:t>SDO</a:t>
-            </a:r>
-            <a:endParaRPr lang="en-US" sz="1200" dirty="0"/>
-          </a:p>
-        </p:txBody>
-      </p:sp>
-      <p:pic>
-        <p:nvPicPr>
-          <p:cNvPr id="8" name="Content Placeholder 7" descr="A picture containing orange, black, yellow, indoor&#10;&#10;Description automatically generated">
-            <a:extLst>
-              <a:ext uri="{FF2B5EF4-FFF2-40B4-BE49-F238E27FC236}">
-                <a16:creationId xmlns:a16="http://schemas.microsoft.com/office/drawing/2014/main" id="{CBB91A84-6258-4568-A4AE-1039AE45878C}"/>
-              </a:ext>
-            </a:extLst>
-          </p:cNvPr>
-          <p:cNvPicPr>
-            <a:picLocks noGrp="1" noChangeAspect="1"/>
-          </p:cNvPicPr>
-          <p:nvPr>
-            <p:ph sz="half" idx="2"/>
-          </p:nvPr>
-        </p:nvPicPr>
-        <p:blipFill>
-          <a:blip r:embed="rId2">
-            <a:extLst>
-              <a:ext uri="{28A0092B-C50C-407E-A947-70E740481C1C}">
-                <a14:useLocalDpi xmlns:a14="http://schemas.microsoft.com/office/drawing/2010/main" val="0"/>
-              </a:ext>
-            </a:extLst>
-          </a:blip>
-          <a:stretch>
-            <a:fillRect/>
-          </a:stretch>
-        </p:blipFill>
-        <p:spPr>
-          <a:xfrm>
-            <a:off x="1613939" y="2281298"/>
-            <a:ext cx="3499949" cy="3499949"/>
-          </a:xfrm>
-        </p:spPr>
-      </p:pic>
-      <p:sp>
-        <p:nvSpPr>
-          <p:cNvPr id="5" name="Text Placeholder 4">
-            <a:extLst>
-              <a:ext uri="{FF2B5EF4-FFF2-40B4-BE49-F238E27FC236}">
-                <a16:creationId xmlns:a16="http://schemas.microsoft.com/office/drawing/2014/main" id="{E6E6BC3D-08AF-4391-BF31-953C3929EE35}"/>
-              </a:ext>
-            </a:extLst>
-          </p:cNvPr>
-          <p:cNvSpPr>
-            <a:spLocks noGrp="1"/>
-          </p:cNvSpPr>
-          <p:nvPr>
-            <p:ph type="body" sz="quarter" idx="3"/>
-          </p:nvPr>
-        </p:nvSpPr>
-        <p:spPr>
-          <a:xfrm>
-            <a:off x="6172200" y="6005145"/>
-            <a:ext cx="5105400" cy="243225"/>
-          </a:xfrm>
-        </p:spPr>
-        <p:txBody>
-          <a:bodyPr>
-            <a:noAutofit/>
-          </a:bodyPr>
-          <a:lstStyle/>
-          <a:p>
-            <a:r>
-              <a:rPr lang="en-US" sz="1200" dirty="0"/>
-              <a:t>Image Credit: NASA/</a:t>
-            </a:r>
-            <a:r>
-              <a:rPr lang="en-US" sz="1200" dirty="0" err="1"/>
-              <a:t>SDO</a:t>
-            </a:r>
-            <a:endParaRPr lang="en-US" sz="1200" dirty="0"/>
-          </a:p>
-        </p:txBody>
-      </p:sp>
-      <p:pic>
-        <p:nvPicPr>
-          <p:cNvPr id="10" name="Content Placeholder 9">
-            <a:extLst>
-              <a:ext uri="{FF2B5EF4-FFF2-40B4-BE49-F238E27FC236}">
-                <a16:creationId xmlns:a16="http://schemas.microsoft.com/office/drawing/2014/main" id="{CC8E385A-52D2-431E-9191-9370EC17F140}"/>
-              </a:ext>
-            </a:extLst>
-          </p:cNvPr>
-          <p:cNvPicPr>
-            <a:picLocks noGrp="1" noChangeAspect="1"/>
-          </p:cNvPicPr>
-          <p:nvPr>
-            <p:ph sz="quarter" idx="4"/>
-          </p:nvPr>
-        </p:nvPicPr>
-        <p:blipFill>
-          <a:blip r:embed="rId3">
-            <a:extLst>
-              <a:ext uri="{28A0092B-C50C-407E-A947-70E740481C1C}">
-                <a14:useLocalDpi xmlns:a14="http://schemas.microsoft.com/office/drawing/2010/main" val="0"/>
-              </a:ext>
-            </a:extLst>
-          </a:blip>
-          <a:stretch>
-            <a:fillRect/>
-          </a:stretch>
-        </p:blipFill>
-        <p:spPr>
-          <a:xfrm>
-            <a:off x="6249064" y="2281298"/>
-            <a:ext cx="4389571" cy="3086100"/>
-          </a:xfrm>
-        </p:spPr>
-      </p:pic>
-    </p:spTree>
-    <p:extLst>
-      <p:ext uri="{BB962C8B-B14F-4D97-AF65-F5344CB8AC3E}">
-        <p14:creationId xmlns:p14="http://schemas.microsoft.com/office/powerpoint/2010/main" val="14562635"/>
-      </p:ext>
-    </p:extLst>
-  </p:cSld>
-  <p:clrMapOvr>
-    <a:masterClrMapping/>
-  </p:clrMapOvr>
-</p:sld>
-</file>
-
-<file path=ppt/slides/slide4.xml><?xml version="1.0" encoding="utf-8"?>
-<p:sld xmlns:a="http://schemas.openxmlformats.org/drawingml/2006/main" xmlns:r="http://schemas.openxmlformats.org/officeDocument/2006/relationships" xmlns:p="http://schemas.openxmlformats.org/presentationml/2006/main">
-  <p:cSld>
-    <p:spTree>
-      <p:nvGrpSpPr>
-        <p:cNvPr id="1" name=""/>
-        <p:cNvGrpSpPr/>
-        <p:nvPr/>
-      </p:nvGrpSpPr>
-      <p:grpSpPr>
-        <a:xfrm>
-          <a:off x="0" y="0"/>
-          <a:ext cx="0" cy="0"/>
-          <a:chOff x="0" y="0"/>
-          <a:chExt cx="0" cy="0"/>
-        </a:xfrm>
-      </p:grpSpPr>
-      <p:sp>
-        <p:nvSpPr>
           <p:cNvPr id="7" name="Title 6">
             <a:extLst>
               <a:ext uri="{FF2B5EF4-FFF2-40B4-BE49-F238E27FC236}">
@@ -6200,12 +6084,8 @@
           <a:lstStyle/>
           <a:p>
             <a:r>
-              <a:rPr lang="en-US"/>
-              <a:t>MOTTLED Stars </a:t>
-            </a:r>
-            <a:r>
               <a:rPr lang="en-US" dirty="0"/>
-              <a:t>project</a:t>
+              <a:t>The MOTTLED Stars project</a:t>
             </a:r>
           </a:p>
         </p:txBody>
@@ -6233,7 +6113,7 @@
           <a:p>
             <a:r>
               <a:rPr lang="en-US" dirty="0"/>
-              <a:t>Continuing a project dubbed Mottled Stars</a:t>
+              <a:t>Continuing the Mottled Stars Project</a:t>
             </a:r>
           </a:p>
           <a:p>
@@ -6272,8 +6152,25 @@
             </a:r>
           </a:p>
           <a:p>
+            <a:pPr lvl="1"/>
+            <a:r>
+              <a:rPr lang="en-US" dirty="0"/>
+              <a:t>Key Predictions:</a:t>
+            </a:r>
+          </a:p>
+          <a:p>
             <a:pPr lvl="2"/>
-            <a:endParaRPr lang="en-US" dirty="0"/>
+            <a:r>
+              <a:rPr lang="en-US" dirty="0"/>
+              <a:t>Transient spots require that a star have 75% of its surface covered by spots</a:t>
+            </a:r>
+          </a:p>
+          <a:p>
+            <a:pPr lvl="2"/>
+            <a:r>
+              <a:rPr lang="en-US" dirty="0"/>
+              <a:t>Spots that cause deep structural changes require that only half of the star to be covered by spots</a:t>
+            </a:r>
           </a:p>
         </p:txBody>
       </p:sp>

--- a/FUSE - Mottled Stars/FUSE Literature Review/Mottled Stars Literature Review.pptx
+++ b/FUSE - Mottled Stars/FUSE Literature Review/Mottled Stars Literature Review.pptx
@@ -284,7 +284,7 @@
           <a:p>
             <a:fld id="{EC08EBD6-2DE3-4022-8EC4-7DB415F76BF1}" type="datetimeFigureOut">
               <a:rPr lang="en-US" smtClean="0"/>
-              <a:t>6/12/2019</a:t>
+              <a:t>6/20/2019</a:t>
             </a:fld>
             <a:endParaRPr lang="en-US"/>
           </a:p>
@@ -551,7 +551,7 @@
           <a:p>
             <a:fld id="{EC08EBD6-2DE3-4022-8EC4-7DB415F76BF1}" type="datetimeFigureOut">
               <a:rPr lang="en-US" smtClean="0"/>
-              <a:t>6/12/2019</a:t>
+              <a:t>6/20/2019</a:t>
             </a:fld>
             <a:endParaRPr lang="en-US"/>
           </a:p>
@@ -782,7 +782,7 @@
           <a:p>
             <a:fld id="{EC08EBD6-2DE3-4022-8EC4-7DB415F76BF1}" type="datetimeFigureOut">
               <a:rPr lang="en-US" smtClean="0"/>
-              <a:t>6/12/2019</a:t>
+              <a:t>6/20/2019</a:t>
             </a:fld>
             <a:endParaRPr lang="en-US"/>
           </a:p>
@@ -1092,7 +1092,7 @@
           <a:p>
             <a:fld id="{EC08EBD6-2DE3-4022-8EC4-7DB415F76BF1}" type="datetimeFigureOut">
               <a:rPr lang="en-US" smtClean="0"/>
-              <a:t>6/12/2019</a:t>
+              <a:t>6/20/2019</a:t>
             </a:fld>
             <a:endParaRPr lang="en-US"/>
           </a:p>
@@ -1565,7 +1565,7 @@
           <a:p>
             <a:fld id="{EC08EBD6-2DE3-4022-8EC4-7DB415F76BF1}" type="datetimeFigureOut">
               <a:rPr lang="en-US" smtClean="0"/>
-              <a:t>6/12/2019</a:t>
+              <a:t>6/20/2019</a:t>
             </a:fld>
             <a:endParaRPr lang="en-US"/>
           </a:p>
@@ -2112,7 +2112,7 @@
           <a:p>
             <a:fld id="{EC08EBD6-2DE3-4022-8EC4-7DB415F76BF1}" type="datetimeFigureOut">
               <a:rPr lang="en-US" smtClean="0"/>
-              <a:t>6/12/2019</a:t>
+              <a:t>6/20/2019</a:t>
             </a:fld>
             <a:endParaRPr lang="en-US"/>
           </a:p>
@@ -2886,7 +2886,7 @@
           <a:p>
             <a:fld id="{EC08EBD6-2DE3-4022-8EC4-7DB415F76BF1}" type="datetimeFigureOut">
               <a:rPr lang="en-US" smtClean="0"/>
-              <a:t>6/12/2019</a:t>
+              <a:t>6/20/2019</a:t>
             </a:fld>
             <a:endParaRPr lang="en-US"/>
           </a:p>
@@ -3061,7 +3061,7 @@
           <a:p>
             <a:fld id="{EC08EBD6-2DE3-4022-8EC4-7DB415F76BF1}" type="datetimeFigureOut">
               <a:rPr lang="en-US" smtClean="0"/>
-              <a:t>6/12/2019</a:t>
+              <a:t>6/20/2019</a:t>
             </a:fld>
             <a:endParaRPr lang="en-US"/>
           </a:p>
@@ -3284,7 +3284,7 @@
           <a:p>
             <a:fld id="{EC08EBD6-2DE3-4022-8EC4-7DB415F76BF1}" type="datetimeFigureOut">
               <a:rPr lang="en-US" smtClean="0"/>
-              <a:t>6/12/2019</a:t>
+              <a:t>6/20/2019</a:t>
             </a:fld>
             <a:endParaRPr lang="en-US"/>
           </a:p>
@@ -3464,7 +3464,7 @@
           <a:p>
             <a:fld id="{EC08EBD6-2DE3-4022-8EC4-7DB415F76BF1}" type="datetimeFigureOut">
               <a:rPr lang="en-US" smtClean="0"/>
-              <a:t>6/12/2019</a:t>
+              <a:t>6/20/2019</a:t>
             </a:fld>
             <a:endParaRPr lang="en-US"/>
           </a:p>
@@ -3753,7 +3753,7 @@
           <a:p>
             <a:fld id="{EC08EBD6-2DE3-4022-8EC4-7DB415F76BF1}" type="datetimeFigureOut">
               <a:rPr lang="en-US" smtClean="0"/>
-              <a:t>6/12/2019</a:t>
+              <a:t>6/20/2019</a:t>
             </a:fld>
             <a:endParaRPr lang="en-US"/>
           </a:p>
@@ -3995,7 +3995,7 @@
           <a:p>
             <a:fld id="{EC08EBD6-2DE3-4022-8EC4-7DB415F76BF1}" type="datetimeFigureOut">
               <a:rPr lang="en-US" smtClean="0"/>
-              <a:t>6/12/2019</a:t>
+              <a:t>6/20/2019</a:t>
             </a:fld>
             <a:endParaRPr lang="en-US"/>
           </a:p>
@@ -4374,7 +4374,7 @@
           <a:p>
             <a:fld id="{EC08EBD6-2DE3-4022-8EC4-7DB415F76BF1}" type="datetimeFigureOut">
               <a:rPr lang="en-US" smtClean="0"/>
-              <a:t>6/12/2019</a:t>
+              <a:t>6/20/2019</a:t>
             </a:fld>
             <a:endParaRPr lang="en-US"/>
           </a:p>
@@ -4492,7 +4492,7 @@
           <a:p>
             <a:fld id="{EC08EBD6-2DE3-4022-8EC4-7DB415F76BF1}" type="datetimeFigureOut">
               <a:rPr lang="en-US" smtClean="0"/>
-              <a:t>6/12/2019</a:t>
+              <a:t>6/20/2019</a:t>
             </a:fld>
             <a:endParaRPr lang="en-US"/>
           </a:p>
@@ -4587,7 +4587,7 @@
           <a:p>
             <a:fld id="{EC08EBD6-2DE3-4022-8EC4-7DB415F76BF1}" type="datetimeFigureOut">
               <a:rPr lang="en-US" smtClean="0"/>
-              <a:t>6/12/2019</a:t>
+              <a:t>6/20/2019</a:t>
             </a:fld>
             <a:endParaRPr lang="en-US"/>
           </a:p>
@@ -4836,7 +4836,7 @@
           <a:p>
             <a:fld id="{EC08EBD6-2DE3-4022-8EC4-7DB415F76BF1}" type="datetimeFigureOut">
               <a:rPr lang="en-US" smtClean="0"/>
-              <a:t>6/12/2019</a:t>
+              <a:t>6/20/2019</a:t>
             </a:fld>
             <a:endParaRPr lang="en-US"/>
           </a:p>
@@ -5093,7 +5093,7 @@
           <a:p>
             <a:fld id="{EC08EBD6-2DE3-4022-8EC4-7DB415F76BF1}" type="datetimeFigureOut">
               <a:rPr lang="en-US" smtClean="0"/>
-              <a:t>6/12/2019</a:t>
+              <a:t>6/20/2019</a:t>
             </a:fld>
             <a:endParaRPr lang="en-US"/>
           </a:p>
@@ -5336,7 +5336,7 @@
           <a:p>
             <a:fld id="{EC08EBD6-2DE3-4022-8EC4-7DB415F76BF1}" type="datetimeFigureOut">
               <a:rPr lang="en-US" smtClean="0"/>
-              <a:t>6/12/2019</a:t>
+              <a:t>6/20/2019</a:t>
             </a:fld>
             <a:endParaRPr lang="en-US"/>
           </a:p>
@@ -5770,7 +5770,14 @@
           <a:p>
             <a:r>
               <a:rPr lang="en-US" dirty="0"/>
-              <a:t>Mottled Stars</a:t>
+              <a:t>Mottled Stars – </a:t>
+            </a:r>
+            <a:br>
+              <a:rPr lang="en-US" dirty="0"/>
+            </a:br>
+            <a:r>
+              <a:rPr lang="en-US" dirty="0"/>
+              <a:t>Literature Review</a:t>
             </a:r>
           </a:p>
         </p:txBody>
